--- a/pizza_presentation.pptx
+++ b/pizza_presentation.pptx
@@ -126,6 +126,83 @@
     </p:ext>
   </p:extLst>
 </p:presentation>
+</file>
+
+<file path=ppt/revisionInfo.xml><?xml version="1.0" encoding="utf-8"?>
+<p1510:revInfo xmlns:a="http://schemas.openxmlformats.org/drawingml/2006/main" xmlns:r="http://schemas.openxmlformats.org/officeDocument/2006/relationships" xmlns:p1510="http://schemas.microsoft.com/office/powerpoint/2015/10/main">
+  <p1510:revLst>
+    <p1510:client id="{C1C81E94-F083-44C5-AFCB-1AD0951F8207}" v="6" dt="2018-11-24T19:45:38.209"/>
+  </p1510:revLst>
+</p1510:revInfo>
+</file>
+
+<file path=ppt/changesInfos/changesInfo1.xml><?xml version="1.0" encoding="utf-8"?>
+<pc:chgInfo xmlns:a="http://schemas.openxmlformats.org/drawingml/2006/main" xmlns:r="http://schemas.openxmlformats.org/officeDocument/2006/relationships" xmlns:ac="http://schemas.microsoft.com/office/drawing/2013/main/command" xmlns:pc="http://schemas.microsoft.com/office/powerpoint/2013/main/command">
+  <pc:docChgLst>
+    <pc:chgData name="Joe Grosso" userId="0678a573-b83a-477f-aef8-a207dc9f66f5" providerId="ADAL" clId="{C1C81E94-F083-44C5-AFCB-1AD0951F8207}"/>
+    <pc:docChg chg="custSel mod modSld">
+      <pc:chgData name="Joe Grosso" userId="0678a573-b83a-477f-aef8-a207dc9f66f5" providerId="ADAL" clId="{C1C81E94-F083-44C5-AFCB-1AD0951F8207}" dt="2018-11-24T19:46:03.541" v="75" actId="1076"/>
+      <pc:docMkLst>
+        <pc:docMk/>
+      </pc:docMkLst>
+      <pc:sldChg chg="addSp delSp modSp mod setBg">
+        <pc:chgData name="Joe Grosso" userId="0678a573-b83a-477f-aef8-a207dc9f66f5" providerId="ADAL" clId="{C1C81E94-F083-44C5-AFCB-1AD0951F8207}" dt="2018-11-24T19:46:03.541" v="75" actId="1076"/>
+        <pc:sldMkLst>
+          <pc:docMk/>
+          <pc:sldMk cId="363920370" sldId="256"/>
+        </pc:sldMkLst>
+        <pc:spChg chg="mod">
+          <ac:chgData name="Joe Grosso" userId="0678a573-b83a-477f-aef8-a207dc9f66f5" providerId="ADAL" clId="{C1C81E94-F083-44C5-AFCB-1AD0951F8207}" dt="2018-11-24T19:46:03.541" v="75" actId="1076"/>
+          <ac:spMkLst>
+            <pc:docMk/>
+            <pc:sldMk cId="363920370" sldId="256"/>
+            <ac:spMk id="2" creationId="{00000000-0000-0000-0000-000000000000}"/>
+          </ac:spMkLst>
+        </pc:spChg>
+        <pc:spChg chg="mod">
+          <ac:chgData name="Joe Grosso" userId="0678a573-b83a-477f-aef8-a207dc9f66f5" providerId="ADAL" clId="{C1C81E94-F083-44C5-AFCB-1AD0951F8207}" dt="2018-11-24T19:44:10.720" v="8" actId="26606"/>
+          <ac:spMkLst>
+            <pc:docMk/>
+            <pc:sldMk cId="363920370" sldId="256"/>
+            <ac:spMk id="3" creationId="{00000000-0000-0000-0000-000000000000}"/>
+          </ac:spMkLst>
+        </pc:spChg>
+        <pc:spChg chg="add">
+          <ac:chgData name="Joe Grosso" userId="0678a573-b83a-477f-aef8-a207dc9f66f5" providerId="ADAL" clId="{C1C81E94-F083-44C5-AFCB-1AD0951F8207}" dt="2018-11-24T19:44:10.720" v="8" actId="26606"/>
+          <ac:spMkLst>
+            <pc:docMk/>
+            <pc:sldMk cId="363920370" sldId="256"/>
+            <ac:spMk id="73" creationId="{B558F58E-93BA-44A3-BCDA-585AFF2E4F3F}"/>
+          </ac:spMkLst>
+        </pc:spChg>
+        <pc:picChg chg="add del mod">
+          <ac:chgData name="Joe Grosso" userId="0678a573-b83a-477f-aef8-a207dc9f66f5" providerId="ADAL" clId="{C1C81E94-F083-44C5-AFCB-1AD0951F8207}" dt="2018-11-24T19:43:48.657" v="4"/>
+          <ac:picMkLst>
+            <pc:docMk/>
+            <pc:sldMk cId="363920370" sldId="256"/>
+            <ac:picMk id="1026" creationId="{35F75168-AF76-46D7-A5A8-FA6314265E19}"/>
+          </ac:picMkLst>
+        </pc:picChg>
+        <pc:picChg chg="add mod">
+          <ac:chgData name="Joe Grosso" userId="0678a573-b83a-477f-aef8-a207dc9f66f5" providerId="ADAL" clId="{C1C81E94-F083-44C5-AFCB-1AD0951F8207}" dt="2018-11-24T19:44:10.720" v="8" actId="26606"/>
+          <ac:picMkLst>
+            <pc:docMk/>
+            <pc:sldMk cId="363920370" sldId="256"/>
+            <ac:picMk id="1028" creationId="{40BD11B4-0622-4E00-8017-DE1D714B77B0}"/>
+          </ac:picMkLst>
+        </pc:picChg>
+        <pc:cxnChg chg="add">
+          <ac:chgData name="Joe Grosso" userId="0678a573-b83a-477f-aef8-a207dc9f66f5" providerId="ADAL" clId="{C1C81E94-F083-44C5-AFCB-1AD0951F8207}" dt="2018-11-24T19:44:10.720" v="8" actId="26606"/>
+          <ac:cxnSpMkLst>
+            <pc:docMk/>
+            <pc:sldMk cId="363920370" sldId="256"/>
+            <ac:cxnSpMk id="75" creationId="{BCD0BBC1-A7D4-445D-98AC-95A6A45D8EBB}"/>
+          </ac:cxnSpMkLst>
+        </pc:cxnChg>
+      </pc:sldChg>
+    </pc:docChg>
+  </pc:docChgLst>
+</pc:chgInfo>
 </file>
 
 <file path=ppt/slideLayouts/slideLayout1.xml><?xml version="1.0" encoding="utf-8"?>
@@ -3528,15 +3605,9 @@
   <p:cSld>
     <p:bg>
       <p:bgPr>
-        <a:blipFill dpi="0" rotWithShape="1">
-          <a:blip r:embed="rId2">
-            <a:lum/>
-          </a:blip>
-          <a:srcRect/>
-          <a:stretch>
-            <a:fillRect/>
-          </a:stretch>
-        </a:blipFill>
+        <a:solidFill>
+          <a:schemeClr val="bg1"/>
+        </a:solidFill>
         <a:effectLst/>
       </p:bgPr>
     </p:bg>
@@ -3554,6 +3625,66 @@
           <a:chExt cx="0" cy="0"/>
         </a:xfrm>
       </p:grpSpPr>
+      <p:sp useBgFill="1">
+        <p:nvSpPr>
+          <p:cNvPr id="73" name="Rectangle 72">
+            <a:extLst>
+              <a:ext uri="{FF2B5EF4-FFF2-40B4-BE49-F238E27FC236}">
+                <a16:creationId xmlns:a16="http://schemas.microsoft.com/office/drawing/2014/main" id="{B558F58E-93BA-44A3-BCDA-585AFF2E4F3F}"/>
+              </a:ext>
+              <a:ext uri="{C183D7F6-B498-43B3-948B-1728B52AA6E4}">
+                <adec:decorative xmlns:adec="http://schemas.microsoft.com/office/drawing/2017/decorative" val="1"/>
+              </a:ext>
+            </a:extLst>
+          </p:cNvPr>
+          <p:cNvSpPr>
+            <a:spLocks noGrp="1" noRot="1" noChangeAspect="1" noMove="1" noResize="1" noEditPoints="1" noAdjustHandles="1" noChangeArrowheads="1" noChangeShapeType="1" noTextEdit="1"/>
+          </p:cNvSpPr>
+          <p:nvPr>
+            <p:extLst>
+              <p:ext uri="{386F3935-93C4-4BCD-93E2-E3B085C9AB24}">
+                <p16:designElem xmlns:p16="http://schemas.microsoft.com/office/powerpoint/2015/main" val="1"/>
+              </p:ext>
+            </p:extLst>
+          </p:nvPr>
+        </p:nvSpPr>
+        <p:spPr>
+          <a:xfrm>
+            <a:off x="0" y="0"/>
+            <a:ext cx="9144000" cy="6858000"/>
+          </a:xfrm>
+          <a:prstGeom prst="rect">
+            <a:avLst/>
+          </a:prstGeom>
+          <a:ln>
+            <a:noFill/>
+          </a:ln>
+        </p:spPr>
+        <p:style>
+          <a:lnRef idx="2">
+            <a:schemeClr val="accent1">
+              <a:shade val="50000"/>
+            </a:schemeClr>
+          </a:lnRef>
+          <a:fillRef idx="1">
+            <a:schemeClr val="accent1"/>
+          </a:fillRef>
+          <a:effectRef idx="0">
+            <a:schemeClr val="accent1"/>
+          </a:effectRef>
+          <a:fontRef idx="minor">
+            <a:schemeClr val="lt1"/>
+          </a:fontRef>
+        </p:style>
+        <p:txBody>
+          <a:bodyPr rtlCol="0" anchor="ctr"/>
+          <a:lstStyle/>
+          <a:p>
+            <a:pPr algn="ctr"/>
+            <a:endParaRPr lang="en-US"/>
+          </a:p>
+        </p:txBody>
+      </p:sp>
       <p:sp>
         <p:nvSpPr>
           <p:cNvPr id="2" name="Title 1"/>
@@ -3564,21 +3695,26 @@
             <p:ph type="ctrTitle"/>
           </p:nvPr>
         </p:nvSpPr>
-        <p:spPr/>
-        <p:txBody>
-          <a:bodyPr/>
-          <a:lstStyle/>
-          <a:p>
-            <a:r>
-              <a:rPr lang="en-US" dirty="0"/>
-              <a:t>Scared and Underprepared:</a:t>
-            </a:r>
-            <a:br>
-              <a:rPr lang="en-US" dirty="0"/>
-            </a:br>
-            <a:r>
-              <a:rPr lang="en-US" dirty="0"/>
-              <a:t>A Team 6 Story</a:t>
+        <p:spPr>
+          <a:xfrm>
+            <a:off x="-48126" y="2818180"/>
+            <a:ext cx="5039265" cy="2427120"/>
+          </a:xfrm>
+        </p:spPr>
+        <p:txBody>
+          <a:bodyPr anchor="t">
+            <a:normAutofit/>
+          </a:bodyPr>
+          <a:lstStyle/>
+          <a:p>
+            <a:pPr algn="ctr"/>
+            <a:r>
+              <a:rPr lang="en-US" sz="5000" dirty="0">
+                <a:solidFill>
+                  <a:schemeClr val="tx1"/>
+                </a:solidFill>
+              </a:rPr>
+              <a:t>Pizza On a Student’s Income: Team 6</a:t>
             </a:r>
           </a:p>
         </p:txBody>
@@ -3593,19 +3729,27 @@
             <p:ph type="subTitle" idx="1"/>
           </p:nvPr>
         </p:nvSpPr>
-        <p:spPr/>
-        <p:txBody>
-          <a:bodyPr>
-            <a:normAutofit fontScale="92500" lnSpcReduction="10000"/>
+        <p:spPr>
+          <a:xfrm>
+            <a:off x="491490" y="330359"/>
+            <a:ext cx="3569168" cy="1655762"/>
+          </a:xfrm>
+        </p:spPr>
+        <p:txBody>
+          <a:bodyPr anchor="b">
+            <a:normAutofit/>
           </a:bodyPr>
           <a:lstStyle/>
           <a:p>
+            <a:pPr algn="l"/>
             <a:r>
               <a:rPr lang="en-US" dirty="0"/>
               <a:t>Joe Grosso, Kyle Singer,</a:t>
             </a:r>
-          </a:p>
-          <a:p>
+            <a:endParaRPr lang="en-US"/>
+          </a:p>
+          <a:p>
+            <a:pPr algn="l"/>
             <a:r>
               <a:rPr lang="en-US" dirty="0"/>
               <a:t>Benjamin </a:t>
@@ -3614,10 +3758,179 @@
               <a:rPr lang="en-US" dirty="0" err="1"/>
               <a:t>Beggs</a:t>
             </a:r>
-            <a:endParaRPr lang="en-US" dirty="0"/>
-          </a:p>
-        </p:txBody>
-      </p:sp>
+            <a:endParaRPr lang="en-US"/>
+          </a:p>
+        </p:txBody>
+      </p:sp>
+      <p:cxnSp>
+        <p:nvCxnSpPr>
+          <p:cNvPr id="75" name="Straight Arrow Connector 74">
+            <a:extLst>
+              <a:ext uri="{FF2B5EF4-FFF2-40B4-BE49-F238E27FC236}">
+                <a16:creationId xmlns:a16="http://schemas.microsoft.com/office/drawing/2014/main" id="{BCD0BBC1-A7D4-445D-98AC-95A6A45D8EBB}"/>
+              </a:ext>
+              <a:ext uri="{C183D7F6-B498-43B3-948B-1728B52AA6E4}">
+                <adec:decorative xmlns:adec="http://schemas.microsoft.com/office/drawing/2017/decorative" val="1"/>
+              </a:ext>
+            </a:extLst>
+          </p:cNvPr>
+          <p:cNvCxnSpPr>
+            <a:cxnSpLocks noGrp="1" noRot="1" noChangeAspect="1" noMove="1" noResize="1" noEditPoints="1" noAdjustHandles="1" noChangeArrowheads="1" noChangeShapeType="1"/>
+          </p:cNvCxnSpPr>
+          <p:nvPr>
+            <p:extLst>
+              <p:ext uri="{386F3935-93C4-4BCD-93E2-E3B085C9AB24}">
+                <p16:designElem xmlns:p16="http://schemas.microsoft.com/office/powerpoint/2015/main" val="1"/>
+              </p:ext>
+            </p:extLst>
+          </p:nvPr>
+        </p:nvCxnSpPr>
+        <p:spPr>
+          <a:xfrm>
+            <a:off x="491490" y="2316480"/>
+            <a:ext cx="3086100" cy="0"/>
+          </a:xfrm>
+          <a:prstGeom prst="straightConnector1">
+            <a:avLst/>
+          </a:prstGeom>
+          <a:ln w="19050" cap="sq">
+            <a:solidFill>
+              <a:schemeClr val="tx1"/>
+            </a:solidFill>
+            <a:tailEnd type="none"/>
+          </a:ln>
+        </p:spPr>
+        <p:style>
+          <a:lnRef idx="1">
+            <a:schemeClr val="accent1"/>
+          </a:lnRef>
+          <a:fillRef idx="0">
+            <a:schemeClr val="accent1"/>
+          </a:fillRef>
+          <a:effectRef idx="0">
+            <a:schemeClr val="accent1"/>
+          </a:effectRef>
+          <a:fontRef idx="minor">
+            <a:schemeClr val="tx1"/>
+          </a:fontRef>
+        </p:style>
+      </p:cxnSp>
+      <p:pic>
+        <p:nvPicPr>
+          <p:cNvPr id="1028" name="Picture 4" descr="Image result for pizza">
+            <a:extLst>
+              <a:ext uri="{FF2B5EF4-FFF2-40B4-BE49-F238E27FC236}">
+                <a16:creationId xmlns:a16="http://schemas.microsoft.com/office/drawing/2014/main" id="{40BD11B4-0622-4E00-8017-DE1D714B77B0}"/>
+              </a:ext>
+            </a:extLst>
+          </p:cNvPr>
+          <p:cNvPicPr>
+            <a:picLocks noChangeAspect="1" noChangeArrowheads="1"/>
+          </p:cNvPicPr>
+          <p:nvPr/>
+        </p:nvPicPr>
+        <p:blipFill rotWithShape="1">
+          <a:blip r:embed="rId2">
+            <a:extLst>
+              <a:ext uri="{28A0092B-C50C-407E-A947-70E740481C1C}">
+                <a14:useLocalDpi xmlns:a14="http://schemas.microsoft.com/office/drawing/2010/main" val="0"/>
+              </a:ext>
+            </a:extLst>
+          </a:blip>
+          <a:srcRect r="-2" b="2790"/>
+          <a:stretch/>
+        </p:blipFill>
+        <p:spPr bwMode="auto">
+          <a:xfrm>
+            <a:off x="4434843" y="10"/>
+            <a:ext cx="4709157" cy="6857990"/>
+          </a:xfrm>
+          <a:custGeom>
+            <a:avLst/>
+            <a:gdLst>
+              <a:gd name="connsiteX0" fmla="*/ 45571 w 6278877"/>
+              <a:gd name="connsiteY0" fmla="*/ 0 h 6858000"/>
+              <a:gd name="connsiteX1" fmla="*/ 6278877 w 6278877"/>
+              <a:gd name="connsiteY1" fmla="*/ 0 h 6858000"/>
+              <a:gd name="connsiteX2" fmla="*/ 6278877 w 6278877"/>
+              <a:gd name="connsiteY2" fmla="*/ 6858000 h 6858000"/>
+              <a:gd name="connsiteX3" fmla="*/ 3292307 w 6278877"/>
+              <a:gd name="connsiteY3" fmla="*/ 6858000 h 6858000"/>
+              <a:gd name="connsiteX4" fmla="*/ 3181525 w 6278877"/>
+              <a:gd name="connsiteY4" fmla="*/ 6786980 h 6858000"/>
+              <a:gd name="connsiteX5" fmla="*/ 0 w 6278877"/>
+              <a:gd name="connsiteY5" fmla="*/ 803252 h 6858000"/>
+              <a:gd name="connsiteX6" fmla="*/ 37255 w 6278877"/>
+              <a:gd name="connsiteY6" fmla="*/ 65445 h 6858000"/>
+            </a:gdLst>
+            <a:ahLst/>
+            <a:cxnLst>
+              <a:cxn ang="0">
+                <a:pos x="connsiteX0" y="connsiteY0"/>
+              </a:cxn>
+              <a:cxn ang="0">
+                <a:pos x="connsiteX1" y="connsiteY1"/>
+              </a:cxn>
+              <a:cxn ang="0">
+                <a:pos x="connsiteX2" y="connsiteY2"/>
+              </a:cxn>
+              <a:cxn ang="0">
+                <a:pos x="connsiteX3" y="connsiteY3"/>
+              </a:cxn>
+              <a:cxn ang="0">
+                <a:pos x="connsiteX4" y="connsiteY4"/>
+              </a:cxn>
+              <a:cxn ang="0">
+                <a:pos x="connsiteX5" y="connsiteY5"/>
+              </a:cxn>
+              <a:cxn ang="0">
+                <a:pos x="connsiteX6" y="connsiteY6"/>
+              </a:cxn>
+            </a:cxnLst>
+            <a:rect l="l" t="t" r="r" b="b"/>
+            <a:pathLst>
+              <a:path w="6278877" h="6858000">
+                <a:moveTo>
+                  <a:pt x="45571" y="0"/>
+                </a:moveTo>
+                <a:lnTo>
+                  <a:pt x="6278877" y="0"/>
+                </a:lnTo>
+                <a:lnTo>
+                  <a:pt x="6278877" y="6858000"/>
+                </a:lnTo>
+                <a:lnTo>
+                  <a:pt x="3292307" y="6858000"/>
+                </a:lnTo>
+                <a:lnTo>
+                  <a:pt x="3181525" y="6786980"/>
+                </a:lnTo>
+                <a:cubicBezTo>
+                  <a:pt x="1262020" y="5490189"/>
+                  <a:pt x="0" y="3294101"/>
+                  <a:pt x="0" y="803252"/>
+                </a:cubicBezTo>
+                <a:cubicBezTo>
+                  <a:pt x="0" y="554167"/>
+                  <a:pt x="12619" y="308030"/>
+                  <a:pt x="37255" y="65445"/>
+                </a:cubicBezTo>
+                <a:close/>
+              </a:path>
+            </a:pathLst>
+          </a:custGeom>
+          <a:noFill/>
+          <a:extLst>
+            <a:ext uri="{909E8E84-426E-40DD-AFC4-6F175D3DCCD1}">
+              <a14:hiddenFill xmlns:a14="http://schemas.microsoft.com/office/drawing/2010/main">
+                <a:solidFill>
+                  <a:srgbClr val="FFFFFF"/>
+                </a:solidFill>
+              </a14:hiddenFill>
+            </a:ext>
+          </a:extLst>
+        </p:spPr>
+      </p:pic>
     </p:spTree>
     <p:extLst>
       <p:ext uri="{BB962C8B-B14F-4D97-AF65-F5344CB8AC3E}">
@@ -4158,21 +4471,13 @@
           <a:p>
             <a:r>
               <a:rPr lang="en-CA" dirty="0"/>
-              <a:t>Integration of the individual parts of </a:t>
-            </a:r>
-            <a:r>
-              <a:rPr lang="en-CA"/>
-              <a:t>the project</a:t>
-            </a:r>
-          </a:p>
-          <a:p>
-            <a:r>
-              <a:rPr lang="en-CA"/>
-              <a:t>Flow </a:t>
-            </a:r>
+              <a:t>Integration of the individual parts of the project</a:t>
+            </a:r>
+          </a:p>
+          <a:p>
             <a:r>
               <a:rPr lang="en-CA" dirty="0"/>
-              <a:t>of data from user to backend and vice versa</a:t>
+              <a:t>Flow of data from user to backend and vice versa</a:t>
             </a:r>
           </a:p>
           <a:p>

--- a/pizza_presentation.pptx
+++ b/pizza_presentation.pptx
@@ -8,9 +8,12 @@
     <p:sldId id="256" r:id="rId2"/>
     <p:sldId id="257" r:id="rId3"/>
     <p:sldId id="259" r:id="rId4"/>
-    <p:sldId id="260" r:id="rId5"/>
-    <p:sldId id="264" r:id="rId6"/>
-    <p:sldId id="261" r:id="rId7"/>
+    <p:sldId id="265" r:id="rId5"/>
+    <p:sldId id="266" r:id="rId6"/>
+    <p:sldId id="267" r:id="rId7"/>
+    <p:sldId id="260" r:id="rId8"/>
+    <p:sldId id="264" r:id="rId9"/>
+    <p:sldId id="261" r:id="rId10"/>
   </p:sldIdLst>
   <p:sldSz cx="9144000" cy="6858000" type="screen4x3"/>
   <p:notesSz cx="6858000" cy="9144000"/>
@@ -3830,7 +3833,7 @@
           <p:nvPr/>
         </p:nvPicPr>
         <p:blipFill rotWithShape="1">
-          <a:blip r:embed="rId2">
+          <a:blip r:embed="rId2" cstate="print">
             <a:extLst>
               <a:ext uri="{28A0092B-C50C-407E-A947-70E740481C1C}">
                 <a14:useLocalDpi xmlns:a14="http://schemas.microsoft.com/office/drawing/2010/main" val="0"/>
@@ -4112,30 +4115,6 @@
           </a:p>
         </p:txBody>
       </p:sp>
-      <p:sp>
-        <p:nvSpPr>
-          <p:cNvPr id="5" name="Content Placeholder 4"/>
-          <p:cNvSpPr>
-            <a:spLocks noGrp="1"/>
-          </p:cNvSpPr>
-          <p:nvPr>
-            <p:ph idx="1"/>
-          </p:nvPr>
-        </p:nvSpPr>
-        <p:spPr>
-          <a:xfrm>
-            <a:off x="1365195" y="6177690"/>
-            <a:ext cx="7016195" cy="4275740"/>
-          </a:xfrm>
-        </p:spPr>
-        <p:txBody>
-          <a:bodyPr/>
-          <a:lstStyle/>
-          <a:p>
-            <a:endParaRPr lang="en-US" dirty="0"/>
-          </a:p>
-        </p:txBody>
-      </p:sp>
     </p:spTree>
     <p:extLst>
       <p:ext uri="{BB962C8B-B14F-4D97-AF65-F5344CB8AC3E}">
@@ -4171,6 +4150,350 @@
           <p:cNvPr id="2" name="Title 1">
             <a:extLst>
               <a:ext uri="{FF2B5EF4-FFF2-40B4-BE49-F238E27FC236}">
+                <a16:creationId xmlns:a16="http://schemas.microsoft.com/office/drawing/2014/main" id="{DCF9F658-A6AB-4BA4-B703-B8368459ACB5}"/>
+              </a:ext>
+            </a:extLst>
+          </p:cNvPr>
+          <p:cNvSpPr>
+            <a:spLocks noGrp="1"/>
+          </p:cNvSpPr>
+          <p:nvPr>
+            <p:ph type="title"/>
+          </p:nvPr>
+        </p:nvSpPr>
+        <p:spPr>
+          <a:xfrm>
+            <a:off x="3655770" y="833015"/>
+            <a:ext cx="7016195" cy="610820"/>
+          </a:xfrm>
+        </p:spPr>
+        <p:txBody>
+          <a:bodyPr>
+            <a:normAutofit fontScale="90000"/>
+          </a:bodyPr>
+          <a:lstStyle/>
+          <a:p>
+            <a:r>
+              <a:rPr lang="en-US" dirty="0"/>
+              <a:t>Functionality</a:t>
+            </a:r>
+          </a:p>
+        </p:txBody>
+      </p:sp>
+      <p:sp>
+        <p:nvSpPr>
+          <p:cNvPr id="3" name="Content Placeholder 2">
+            <a:extLst>
+              <a:ext uri="{FF2B5EF4-FFF2-40B4-BE49-F238E27FC236}">
+                <a16:creationId xmlns:a16="http://schemas.microsoft.com/office/drawing/2014/main" id="{57CA62BB-DB4D-4D8F-84A9-D53637A70833}"/>
+              </a:ext>
+            </a:extLst>
+          </p:cNvPr>
+          <p:cNvSpPr>
+            <a:spLocks noGrp="1"/>
+          </p:cNvSpPr>
+          <p:nvPr>
+            <p:ph idx="1"/>
+          </p:nvPr>
+        </p:nvSpPr>
+        <p:spPr>
+          <a:xfrm>
+            <a:off x="1517900" y="1749245"/>
+            <a:ext cx="7016195" cy="4275740"/>
+          </a:xfrm>
+        </p:spPr>
+        <p:txBody>
+          <a:bodyPr/>
+          <a:lstStyle/>
+          <a:p>
+            <a:r>
+              <a:rPr lang="en-US" dirty="0"/>
+              <a:t>Asks the user to input a geographic location.</a:t>
+            </a:r>
+          </a:p>
+          <a:p>
+            <a:r>
+              <a:rPr lang="en-US" dirty="0"/>
+              <a:t>The script prompts the Google Maps geographic services to determine its latitude and longitude.</a:t>
+            </a:r>
+          </a:p>
+          <a:p>
+            <a:r>
+              <a:rPr lang="en-US" dirty="0"/>
+              <a:t>Gathers a list of nearby restaurants in a 5km radius from this position from Google’s servers.</a:t>
+            </a:r>
+          </a:p>
+          <a:p>
+            <a:r>
+              <a:rPr lang="en-US" dirty="0"/>
+              <a:t>Parses the relevant data from Google into an array.</a:t>
+            </a:r>
+          </a:p>
+        </p:txBody>
+      </p:sp>
+    </p:spTree>
+    <p:extLst>
+      <p:ext uri="{BB962C8B-B14F-4D97-AF65-F5344CB8AC3E}">
+        <p14:creationId xmlns:p14="http://schemas.microsoft.com/office/powerpoint/2010/main" val="1429213546"/>
+      </p:ext>
+    </p:extLst>
+  </p:cSld>
+  <p:clrMapOvr>
+    <a:masterClrMapping/>
+  </p:clrMapOvr>
+</p:sld>
+</file>
+
+<file path=ppt/slides/slide5.xml><?xml version="1.0" encoding="utf-8"?>
+<p:sld xmlns:a="http://schemas.openxmlformats.org/drawingml/2006/main" xmlns:r="http://schemas.openxmlformats.org/officeDocument/2006/relationships" xmlns:p="http://schemas.openxmlformats.org/presentationml/2006/main">
+  <p:cSld>
+    <p:spTree>
+      <p:nvGrpSpPr>
+        <p:cNvPr id="1" name=""/>
+        <p:cNvGrpSpPr/>
+        <p:nvPr/>
+      </p:nvGrpSpPr>
+      <p:grpSpPr>
+        <a:xfrm>
+          <a:off x="0" y="0"/>
+          <a:ext cx="0" cy="0"/>
+          <a:chOff x="0" y="0"/>
+          <a:chExt cx="0" cy="0"/>
+        </a:xfrm>
+      </p:grpSpPr>
+      <p:sp>
+        <p:nvSpPr>
+          <p:cNvPr id="2" name="Title 1">
+            <a:extLst>
+              <a:ext uri="{FF2B5EF4-FFF2-40B4-BE49-F238E27FC236}">
+                <a16:creationId xmlns:a16="http://schemas.microsoft.com/office/drawing/2014/main" id="{836D8587-92D6-4A2D-8A99-F0E7729D8C0E}"/>
+              </a:ext>
+            </a:extLst>
+          </p:cNvPr>
+          <p:cNvSpPr>
+            <a:spLocks noGrp="1"/>
+          </p:cNvSpPr>
+          <p:nvPr>
+            <p:ph type="title"/>
+          </p:nvPr>
+        </p:nvSpPr>
+        <p:spPr>
+          <a:xfrm>
+            <a:off x="3961180" y="374900"/>
+            <a:ext cx="7016195" cy="610820"/>
+          </a:xfrm>
+        </p:spPr>
+        <p:txBody>
+          <a:bodyPr>
+            <a:normAutofit fontScale="90000"/>
+          </a:bodyPr>
+          <a:lstStyle/>
+          <a:p>
+            <a:r>
+              <a:rPr lang="en-US" dirty="0"/>
+              <a:t>Example:</a:t>
+            </a:r>
+          </a:p>
+        </p:txBody>
+      </p:sp>
+      <p:sp>
+        <p:nvSpPr>
+          <p:cNvPr id="3" name="Content Placeholder 2">
+            <a:extLst>
+              <a:ext uri="{FF2B5EF4-FFF2-40B4-BE49-F238E27FC236}">
+                <a16:creationId xmlns:a16="http://schemas.microsoft.com/office/drawing/2014/main" id="{2B3A0F9D-9894-4778-B4EB-FC73D04A324B}"/>
+              </a:ext>
+            </a:extLst>
+          </p:cNvPr>
+          <p:cNvSpPr>
+            <a:spLocks noGrp="1"/>
+          </p:cNvSpPr>
+          <p:nvPr>
+            <p:ph idx="1"/>
+          </p:nvPr>
+        </p:nvSpPr>
+        <p:spPr>
+          <a:xfrm>
+            <a:off x="1976015" y="2207360"/>
+            <a:ext cx="7016195" cy="4275740"/>
+          </a:xfrm>
+        </p:spPr>
+        <p:txBody>
+          <a:bodyPr/>
+          <a:lstStyle/>
+          <a:p>
+            <a:r>
+              <a:rPr lang="en-US" dirty="0"/>
+              <a:t>Prompt user input:</a:t>
+            </a:r>
+          </a:p>
+          <a:p>
+            <a:endParaRPr lang="en-US" dirty="0"/>
+          </a:p>
+        </p:txBody>
+      </p:sp>
+      <p:pic>
+        <p:nvPicPr>
+          <p:cNvPr id="4" name="Picture 3">
+            <a:extLst>
+              <a:ext uri="{FF2B5EF4-FFF2-40B4-BE49-F238E27FC236}">
+                <a16:creationId xmlns:a16="http://schemas.microsoft.com/office/drawing/2014/main" id="{542E8CC4-3631-4DD6-97F8-F1536D0C8BE1}"/>
+              </a:ext>
+            </a:extLst>
+          </p:cNvPr>
+          <p:cNvPicPr>
+            <a:picLocks noChangeAspect="1"/>
+          </p:cNvPicPr>
+          <p:nvPr/>
+        </p:nvPicPr>
+        <p:blipFill>
+          <a:blip r:embed="rId2"/>
+          <a:stretch>
+            <a:fillRect/>
+          </a:stretch>
+        </p:blipFill>
+        <p:spPr>
+          <a:xfrm>
+            <a:off x="0" y="2888024"/>
+            <a:ext cx="9144000" cy="1081952"/>
+          </a:xfrm>
+          <a:prstGeom prst="rect">
+            <a:avLst/>
+          </a:prstGeom>
+        </p:spPr>
+      </p:pic>
+    </p:spTree>
+    <p:extLst>
+      <p:ext uri="{BB962C8B-B14F-4D97-AF65-F5344CB8AC3E}">
+        <p14:creationId xmlns:p14="http://schemas.microsoft.com/office/powerpoint/2010/main" val="4276774560"/>
+      </p:ext>
+    </p:extLst>
+  </p:cSld>
+  <p:clrMapOvr>
+    <a:masterClrMapping/>
+  </p:clrMapOvr>
+</p:sld>
+</file>
+
+<file path=ppt/slides/slide6.xml><?xml version="1.0" encoding="utf-8"?>
+<p:sld xmlns:a="http://schemas.openxmlformats.org/drawingml/2006/main" xmlns:r="http://schemas.openxmlformats.org/officeDocument/2006/relationships" xmlns:p="http://schemas.openxmlformats.org/presentationml/2006/main">
+  <p:cSld>
+    <p:spTree>
+      <p:nvGrpSpPr>
+        <p:cNvPr id="1" name=""/>
+        <p:cNvGrpSpPr/>
+        <p:nvPr/>
+      </p:nvGrpSpPr>
+      <p:grpSpPr>
+        <a:xfrm>
+          <a:off x="0" y="0"/>
+          <a:ext cx="0" cy="0"/>
+          <a:chOff x="0" y="0"/>
+          <a:chExt cx="0" cy="0"/>
+        </a:xfrm>
+      </p:grpSpPr>
+      <p:sp>
+        <p:nvSpPr>
+          <p:cNvPr id="2" name="Title 1">
+            <a:extLst>
+              <a:ext uri="{FF2B5EF4-FFF2-40B4-BE49-F238E27FC236}">
+                <a16:creationId xmlns:a16="http://schemas.microsoft.com/office/drawing/2014/main" id="{04E1F6BC-4128-4C5C-9ACE-E60414714449}"/>
+              </a:ext>
+            </a:extLst>
+          </p:cNvPr>
+          <p:cNvSpPr>
+            <a:spLocks noGrp="1"/>
+          </p:cNvSpPr>
+          <p:nvPr>
+            <p:ph type="title"/>
+          </p:nvPr>
+        </p:nvSpPr>
+        <p:spPr>
+          <a:xfrm>
+            <a:off x="3197655" y="985720"/>
+            <a:ext cx="7016195" cy="610820"/>
+          </a:xfrm>
+        </p:spPr>
+        <p:txBody>
+          <a:bodyPr>
+            <a:normAutofit fontScale="90000"/>
+          </a:bodyPr>
+          <a:lstStyle/>
+          <a:p>
+            <a:r>
+              <a:rPr lang="en-US" dirty="0"/>
+              <a:t>Example return:</a:t>
+            </a:r>
+          </a:p>
+        </p:txBody>
+      </p:sp>
+      <p:pic>
+        <p:nvPicPr>
+          <p:cNvPr id="4" name="Content Placeholder 3">
+            <a:extLst>
+              <a:ext uri="{FF2B5EF4-FFF2-40B4-BE49-F238E27FC236}">
+                <a16:creationId xmlns:a16="http://schemas.microsoft.com/office/drawing/2014/main" id="{8B83367E-7157-4F22-8DD4-F7B661031035}"/>
+              </a:ext>
+            </a:extLst>
+          </p:cNvPr>
+          <p:cNvPicPr>
+            <a:picLocks noGrp="1" noChangeAspect="1"/>
+          </p:cNvPicPr>
+          <p:nvPr>
+            <p:ph idx="1"/>
+          </p:nvPr>
+        </p:nvPicPr>
+        <p:blipFill>
+          <a:blip r:embed="rId2"/>
+          <a:stretch>
+            <a:fillRect/>
+          </a:stretch>
+        </p:blipFill>
+        <p:spPr>
+          <a:xfrm>
+            <a:off x="-24075" y="2427100"/>
+            <a:ext cx="9162300" cy="1612720"/>
+          </a:xfrm>
+          <a:prstGeom prst="rect">
+            <a:avLst/>
+          </a:prstGeom>
+        </p:spPr>
+      </p:pic>
+    </p:spTree>
+    <p:extLst>
+      <p:ext uri="{BB962C8B-B14F-4D97-AF65-F5344CB8AC3E}">
+        <p14:creationId xmlns:p14="http://schemas.microsoft.com/office/powerpoint/2010/main" val="3780108856"/>
+      </p:ext>
+    </p:extLst>
+  </p:cSld>
+  <p:clrMapOvr>
+    <a:masterClrMapping/>
+  </p:clrMapOvr>
+</p:sld>
+</file>
+
+<file path=ppt/slides/slide7.xml><?xml version="1.0" encoding="utf-8"?>
+<p:sld xmlns:a="http://schemas.openxmlformats.org/drawingml/2006/main" xmlns:r="http://schemas.openxmlformats.org/officeDocument/2006/relationships" xmlns:p="http://schemas.openxmlformats.org/presentationml/2006/main">
+  <p:cSld>
+    <p:spTree>
+      <p:nvGrpSpPr>
+        <p:cNvPr id="1" name=""/>
+        <p:cNvGrpSpPr/>
+        <p:nvPr/>
+      </p:nvGrpSpPr>
+      <p:grpSpPr>
+        <a:xfrm>
+          <a:off x="0" y="0"/>
+          <a:ext cx="0" cy="0"/>
+          <a:chOff x="0" y="0"/>
+          <a:chExt cx="0" cy="0"/>
+        </a:xfrm>
+      </p:grpSpPr>
+      <p:sp>
+        <p:nvSpPr>
+          <p:cNvPr id="2" name="Title 1">
+            <a:extLst>
+              <a:ext uri="{FF2B5EF4-FFF2-40B4-BE49-F238E27FC236}">
                 <a16:creationId xmlns:a16="http://schemas.microsoft.com/office/drawing/2014/main" id="{36DD4943-C972-41F8-942C-BC731E6FE2F3}"/>
               </a:ext>
             </a:extLst>
@@ -4248,7 +4571,7 @@
 </p:sld>
 </file>
 
-<file path=ppt/slides/slide5.xml><?xml version="1.0" encoding="utf-8"?>
+<file path=ppt/slides/slide8.xml><?xml version="1.0" encoding="utf-8"?>
 <p:sld xmlns:a="http://schemas.openxmlformats.org/drawingml/2006/main" xmlns:r="http://schemas.openxmlformats.org/officeDocument/2006/relationships" xmlns:p="http://schemas.openxmlformats.org/presentationml/2006/main">
   <p:cSld>
     <p:bg>
@@ -4349,7 +4672,7 @@
 </p:sld>
 </file>
 
-<file path=ppt/slides/slide6.xml><?xml version="1.0" encoding="utf-8"?>
+<file path=ppt/slides/slide9.xml><?xml version="1.0" encoding="utf-8"?>
 <p:sld xmlns:a="http://schemas.openxmlformats.org/drawingml/2006/main" xmlns:r="http://schemas.openxmlformats.org/officeDocument/2006/relationships" xmlns:p="http://schemas.openxmlformats.org/presentationml/2006/main">
   <p:cSld>
     <p:spTree>
@@ -4403,36 +4726,6 @@
       </p:sp>
       <p:sp>
         <p:nvSpPr>
-          <p:cNvPr id="3" name="Text Placeholder 2">
-            <a:extLst>
-              <a:ext uri="{FF2B5EF4-FFF2-40B4-BE49-F238E27FC236}">
-                <a16:creationId xmlns:a16="http://schemas.microsoft.com/office/drawing/2014/main" id="{43896706-68A7-47C4-B0D8-9702DD837795}"/>
-              </a:ext>
-            </a:extLst>
-          </p:cNvPr>
-          <p:cNvSpPr>
-            <a:spLocks noGrp="1"/>
-          </p:cNvSpPr>
-          <p:nvPr>
-            <p:ph type="body" idx="1"/>
-          </p:nvPr>
-        </p:nvSpPr>
-        <p:spPr>
-          <a:xfrm>
-            <a:off x="-4284890" y="1596540"/>
-            <a:ext cx="4040188" cy="639762"/>
-          </a:xfrm>
-        </p:spPr>
-        <p:txBody>
-          <a:bodyPr/>
-          <a:lstStyle/>
-          <a:p>
-            <a:endParaRPr lang="en-CA" dirty="0"/>
-          </a:p>
-        </p:txBody>
-      </p:sp>
-      <p:sp>
-        <p:nvSpPr>
           <p:cNvPr id="4" name="Content Placeholder 3">
             <a:extLst>
               <a:ext uri="{FF2B5EF4-FFF2-40B4-BE49-F238E27FC236}">
@@ -4485,36 +4778,6 @@
               <a:rPr lang="en-CA" dirty="0"/>
               <a:t>Speed improvements using DS &amp; A, make project scalable</a:t>
             </a:r>
-          </a:p>
-        </p:txBody>
-      </p:sp>
-      <p:sp>
-        <p:nvSpPr>
-          <p:cNvPr id="5" name="Text Placeholder 4">
-            <a:extLst>
-              <a:ext uri="{FF2B5EF4-FFF2-40B4-BE49-F238E27FC236}">
-                <a16:creationId xmlns:a16="http://schemas.microsoft.com/office/drawing/2014/main" id="{88D4BF9B-B17B-47A7-A637-9D38E120B63A}"/>
-              </a:ext>
-            </a:extLst>
-          </p:cNvPr>
-          <p:cNvSpPr>
-            <a:spLocks noGrp="1"/>
-          </p:cNvSpPr>
-          <p:nvPr>
-            <p:ph type="body" sz="quarter" idx="3"/>
-          </p:nvPr>
-        </p:nvSpPr>
-        <p:spPr>
-          <a:xfrm>
-            <a:off x="-5045102" y="956778"/>
-            <a:ext cx="4041775" cy="639762"/>
-          </a:xfrm>
-        </p:spPr>
-        <p:txBody>
-          <a:bodyPr/>
-          <a:lstStyle/>
-          <a:p>
-            <a:endParaRPr lang="en-CA" dirty="0"/>
           </a:p>
         </p:txBody>
       </p:sp>

--- a/pizza_presentation.pptx
+++ b/pizza_presentation.pptx
@@ -7,13 +7,14 @@
   <p:sldIdLst>
     <p:sldId id="256" r:id="rId2"/>
     <p:sldId id="257" r:id="rId3"/>
-    <p:sldId id="259" r:id="rId4"/>
-    <p:sldId id="265" r:id="rId5"/>
-    <p:sldId id="266" r:id="rId6"/>
-    <p:sldId id="267" r:id="rId7"/>
-    <p:sldId id="260" r:id="rId8"/>
-    <p:sldId id="264" r:id="rId9"/>
-    <p:sldId id="261" r:id="rId10"/>
+    <p:sldId id="268" r:id="rId4"/>
+    <p:sldId id="259" r:id="rId5"/>
+    <p:sldId id="265" r:id="rId6"/>
+    <p:sldId id="266" r:id="rId7"/>
+    <p:sldId id="267" r:id="rId8"/>
+    <p:sldId id="260" r:id="rId9"/>
+    <p:sldId id="264" r:id="rId10"/>
+    <p:sldId id="261" r:id="rId11"/>
   </p:sldIdLst>
   <p:sldSz cx="9144000" cy="6858000" type="screen4x3"/>
   <p:notesSz cx="6858000" cy="9144000"/>
@@ -3947,6 +3948,156 @@
 </p:sld>
 </file>
 
+<file path=ppt/slides/slide10.xml><?xml version="1.0" encoding="utf-8"?>
+<p:sld xmlns:a="http://schemas.openxmlformats.org/drawingml/2006/main" xmlns:r="http://schemas.openxmlformats.org/officeDocument/2006/relationships" xmlns:p="http://schemas.openxmlformats.org/presentationml/2006/main">
+  <p:cSld>
+    <p:spTree>
+      <p:nvGrpSpPr>
+        <p:cNvPr id="1" name=""/>
+        <p:cNvGrpSpPr/>
+        <p:nvPr/>
+      </p:nvGrpSpPr>
+      <p:grpSpPr>
+        <a:xfrm>
+          <a:off x="0" y="0"/>
+          <a:ext cx="0" cy="0"/>
+          <a:chOff x="0" y="0"/>
+          <a:chExt cx="0" cy="0"/>
+        </a:xfrm>
+      </p:grpSpPr>
+      <p:sp>
+        <p:nvSpPr>
+          <p:cNvPr id="2" name="Title 1">
+            <a:extLst>
+              <a:ext uri="{FF2B5EF4-FFF2-40B4-BE49-F238E27FC236}">
+                <a16:creationId xmlns:a16="http://schemas.microsoft.com/office/drawing/2014/main" id="{0FABF62F-21C7-4693-BE99-EFCA3608EE68}"/>
+              </a:ext>
+            </a:extLst>
+          </p:cNvPr>
+          <p:cNvSpPr>
+            <a:spLocks noGrp="1"/>
+          </p:cNvSpPr>
+          <p:nvPr>
+            <p:ph type="title"/>
+          </p:nvPr>
+        </p:nvSpPr>
+        <p:spPr>
+          <a:xfrm>
+            <a:off x="-244702" y="1443835"/>
+            <a:ext cx="8229600" cy="610820"/>
+          </a:xfrm>
+        </p:spPr>
+        <p:txBody>
+          <a:bodyPr>
+            <a:noAutofit/>
+          </a:bodyPr>
+          <a:lstStyle/>
+          <a:p>
+            <a:r>
+              <a:rPr lang="en-CA" sz="4000" dirty="0"/>
+              <a:t>Improvements for the Future:</a:t>
+            </a:r>
+          </a:p>
+        </p:txBody>
+      </p:sp>
+      <p:sp>
+        <p:nvSpPr>
+          <p:cNvPr id="4" name="Content Placeholder 3">
+            <a:extLst>
+              <a:ext uri="{FF2B5EF4-FFF2-40B4-BE49-F238E27FC236}">
+                <a16:creationId xmlns:a16="http://schemas.microsoft.com/office/drawing/2014/main" id="{B01AC675-5EE7-452F-B706-B524A891F67E}"/>
+              </a:ext>
+            </a:extLst>
+          </p:cNvPr>
+          <p:cNvSpPr>
+            <a:spLocks noGrp="1"/>
+          </p:cNvSpPr>
+          <p:nvPr>
+            <p:ph sz="half" idx="2"/>
+          </p:nvPr>
+        </p:nvSpPr>
+        <p:spPr>
+          <a:xfrm>
+            <a:off x="448965" y="2173960"/>
+            <a:ext cx="8246070" cy="3035058"/>
+          </a:xfrm>
+        </p:spPr>
+        <p:txBody>
+          <a:bodyPr/>
+          <a:lstStyle/>
+          <a:p>
+            <a:r>
+              <a:rPr lang="en-CA" dirty="0"/>
+              <a:t>Fix lack of menu availability for smaller restaurants</a:t>
+            </a:r>
+          </a:p>
+          <a:p>
+            <a:r>
+              <a:rPr lang="en-CA" dirty="0"/>
+              <a:t>Website functionality</a:t>
+            </a:r>
+          </a:p>
+          <a:p>
+            <a:r>
+              <a:rPr lang="en-CA" dirty="0"/>
+              <a:t>Integration of the individual parts of the project</a:t>
+            </a:r>
+          </a:p>
+          <a:p>
+            <a:r>
+              <a:rPr lang="en-CA" dirty="0"/>
+              <a:t>Flow of data from user to backend and vice versa</a:t>
+            </a:r>
+          </a:p>
+          <a:p>
+            <a:r>
+              <a:rPr lang="en-CA" dirty="0"/>
+              <a:t>Speed improvements using DS &amp; A, make project scalable</a:t>
+            </a:r>
+          </a:p>
+        </p:txBody>
+      </p:sp>
+      <p:sp>
+        <p:nvSpPr>
+          <p:cNvPr id="6" name="Content Placeholder 5">
+            <a:extLst>
+              <a:ext uri="{FF2B5EF4-FFF2-40B4-BE49-F238E27FC236}">
+                <a16:creationId xmlns:a16="http://schemas.microsoft.com/office/drawing/2014/main" id="{53EA3758-BF12-4996-BE0E-436F8D494B48}"/>
+              </a:ext>
+            </a:extLst>
+          </p:cNvPr>
+          <p:cNvSpPr>
+            <a:spLocks noGrp="1"/>
+          </p:cNvSpPr>
+          <p:nvPr>
+            <p:ph sz="quarter" idx="4"/>
+          </p:nvPr>
+        </p:nvSpPr>
+        <p:spPr/>
+        <p:txBody>
+          <a:bodyPr/>
+          <a:lstStyle/>
+          <a:p>
+            <a:endParaRPr lang="en-CA" dirty="0"/>
+          </a:p>
+          <a:p>
+            <a:endParaRPr lang="en-CA" dirty="0"/>
+          </a:p>
+        </p:txBody>
+      </p:sp>
+    </p:spTree>
+    <p:extLst>
+      <p:ext uri="{BB962C8B-B14F-4D97-AF65-F5344CB8AC3E}">
+        <p14:creationId xmlns:p14="http://schemas.microsoft.com/office/powerpoint/2010/main" val="3231619429"/>
+      </p:ext>
+    </p:extLst>
+  </p:cSld>
+  <p:clrMapOvr>
+    <a:masterClrMapping/>
+  </p:clrMapOvr>
+</p:sld>
+</file>
+
 <file path=ppt/slides/slide2.xml><?xml version="1.0" encoding="utf-8"?>
 <p:sld xmlns:a="http://schemas.openxmlformats.org/drawingml/2006/main" xmlns:r="http://schemas.openxmlformats.org/officeDocument/2006/relationships" xmlns:p="http://schemas.openxmlformats.org/presentationml/2006/main">
   <p:cSld>
@@ -4055,6 +4206,112 @@
 </file>
 
 <file path=ppt/slides/slide3.xml><?xml version="1.0" encoding="utf-8"?>
+<p:sld xmlns:a="http://schemas.openxmlformats.org/drawingml/2006/main" xmlns:r="http://schemas.openxmlformats.org/officeDocument/2006/relationships" xmlns:p="http://schemas.openxmlformats.org/presentationml/2006/main">
+  <p:cSld>
+    <p:spTree>
+      <p:nvGrpSpPr>
+        <p:cNvPr id="1" name=""/>
+        <p:cNvGrpSpPr/>
+        <p:nvPr/>
+      </p:nvGrpSpPr>
+      <p:grpSpPr>
+        <a:xfrm>
+          <a:off x="0" y="0"/>
+          <a:ext cx="0" cy="0"/>
+          <a:chOff x="0" y="0"/>
+          <a:chExt cx="0" cy="0"/>
+        </a:xfrm>
+      </p:grpSpPr>
+      <p:sp>
+        <p:nvSpPr>
+          <p:cNvPr id="2" name="Title 1">
+            <a:extLst>
+              <a:ext uri="{FF2B5EF4-FFF2-40B4-BE49-F238E27FC236}">
+                <a16:creationId xmlns:a16="http://schemas.microsoft.com/office/drawing/2014/main" id="{5BADE355-C795-4F36-9ACB-2995F0634556}"/>
+              </a:ext>
+            </a:extLst>
+          </p:cNvPr>
+          <p:cNvSpPr>
+            <a:spLocks noGrp="1"/>
+          </p:cNvSpPr>
+          <p:nvPr>
+            <p:ph type="title"/>
+          </p:nvPr>
+        </p:nvSpPr>
+        <p:spPr/>
+        <p:txBody>
+          <a:bodyPr>
+            <a:normAutofit fontScale="90000"/>
+          </a:bodyPr>
+          <a:lstStyle/>
+          <a:p>
+            <a:endParaRPr lang="en-US"/>
+          </a:p>
+        </p:txBody>
+      </p:sp>
+      <p:pic>
+        <p:nvPicPr>
+          <p:cNvPr id="1026" name="Picture 2" descr="https://lh6.googleusercontent.com/aamitBdc3nFx5vPp6aiTZqiAKU4RWn_MTPA-20dtQr5wXpBOlD2zKvj8ePGaoAACCptHEH-Ck-Uqn4629dnMst-Eo8WLRL0HovGCkZX388LOtxtf3V_msH0LT8NCoWtvbhDam12j">
+            <a:extLst>
+              <a:ext uri="{FF2B5EF4-FFF2-40B4-BE49-F238E27FC236}">
+                <a16:creationId xmlns:a16="http://schemas.microsoft.com/office/drawing/2014/main" id="{FC2C7B97-61EA-4BD5-9FDB-42FA2DEAA651}"/>
+              </a:ext>
+            </a:extLst>
+          </p:cNvPr>
+          <p:cNvPicPr>
+            <a:picLocks noGrp="1" noChangeAspect="1" noChangeArrowheads="1"/>
+          </p:cNvPicPr>
+          <p:nvPr>
+            <p:ph idx="1"/>
+          </p:nvPr>
+        </p:nvPicPr>
+        <p:blipFill>
+          <a:blip r:embed="rId2">
+            <a:extLst>
+              <a:ext uri="{28A0092B-C50C-407E-A947-70E740481C1C}">
+                <a14:useLocalDpi xmlns:a14="http://schemas.microsoft.com/office/drawing/2010/main" val="0"/>
+              </a:ext>
+            </a:extLst>
+          </a:blip>
+          <a:srcRect/>
+          <a:stretch>
+            <a:fillRect/>
+          </a:stretch>
+        </p:blipFill>
+        <p:spPr bwMode="auto">
+          <a:xfrm>
+            <a:off x="754375" y="-83215"/>
+            <a:ext cx="7811214" cy="6780650"/>
+          </a:xfrm>
+          <a:prstGeom prst="rect">
+            <a:avLst/>
+          </a:prstGeom>
+          <a:noFill/>
+          <a:extLst>
+            <a:ext uri="{909E8E84-426E-40DD-AFC4-6F175D3DCCD1}">
+              <a14:hiddenFill xmlns:a14="http://schemas.microsoft.com/office/drawing/2010/main">
+                <a:solidFill>
+                  <a:srgbClr val="FFFFFF"/>
+                </a:solidFill>
+              </a14:hiddenFill>
+            </a:ext>
+          </a:extLst>
+        </p:spPr>
+      </p:pic>
+    </p:spTree>
+    <p:extLst>
+      <p:ext uri="{BB962C8B-B14F-4D97-AF65-F5344CB8AC3E}">
+        <p14:creationId xmlns:p14="http://schemas.microsoft.com/office/powerpoint/2010/main" val="2185069364"/>
+      </p:ext>
+    </p:extLst>
+  </p:cSld>
+  <p:clrMapOvr>
+    <a:masterClrMapping/>
+  </p:clrMapOvr>
+</p:sld>
+</file>
+
+<file path=ppt/slides/slide4.xml><?xml version="1.0" encoding="utf-8"?>
 <p:sld xmlns:a="http://schemas.openxmlformats.org/drawingml/2006/main" xmlns:r="http://schemas.openxmlformats.org/officeDocument/2006/relationships" xmlns:p="http://schemas.openxmlformats.org/presentationml/2006/main">
   <p:cSld>
     <p:bg>
@@ -4128,7 +4385,7 @@
 </p:sld>
 </file>
 
-<file path=ppt/slides/slide4.xml><?xml version="1.0" encoding="utf-8"?>
+<file path=ppt/slides/slide5.xml><?xml version="1.0" encoding="utf-8"?>
 <p:sld xmlns:a="http://schemas.openxmlformats.org/drawingml/2006/main" xmlns:r="http://schemas.openxmlformats.org/officeDocument/2006/relationships" xmlns:p="http://schemas.openxmlformats.org/presentationml/2006/main">
   <p:cSld>
     <p:spTree>
@@ -4244,7 +4501,7 @@
 </p:sld>
 </file>
 
-<file path=ppt/slides/slide5.xml><?xml version="1.0" encoding="utf-8"?>
+<file path=ppt/slides/slide6.xml><?xml version="1.0" encoding="utf-8"?>
 <p:sld xmlns:a="http://schemas.openxmlformats.org/drawingml/2006/main" xmlns:r="http://schemas.openxmlformats.org/officeDocument/2006/relationships" xmlns:p="http://schemas.openxmlformats.org/presentationml/2006/main">
   <p:cSld>
     <p:spTree>
@@ -4375,7 +4632,7 @@
 </p:sld>
 </file>
 
-<file path=ppt/slides/slide6.xml><?xml version="1.0" encoding="utf-8"?>
+<file path=ppt/slides/slide7.xml><?xml version="1.0" encoding="utf-8"?>
 <p:sld xmlns:a="http://schemas.openxmlformats.org/drawingml/2006/main" xmlns:r="http://schemas.openxmlformats.org/officeDocument/2006/relationships" xmlns:p="http://schemas.openxmlformats.org/presentationml/2006/main">
   <p:cSld>
     <p:spTree>
@@ -4472,7 +4729,7 @@
 </p:sld>
 </file>
 
-<file path=ppt/slides/slide7.xml><?xml version="1.0" encoding="utf-8"?>
+<file path=ppt/slides/slide8.xml><?xml version="1.0" encoding="utf-8"?>
 <p:sld xmlns:a="http://schemas.openxmlformats.org/drawingml/2006/main" xmlns:r="http://schemas.openxmlformats.org/officeDocument/2006/relationships" xmlns:p="http://schemas.openxmlformats.org/presentationml/2006/main">
   <p:cSld>
     <p:spTree>
@@ -4571,7 +4828,7 @@
 </p:sld>
 </file>
 
-<file path=ppt/slides/slide8.xml><?xml version="1.0" encoding="utf-8"?>
+<file path=ppt/slides/slide9.xml><?xml version="1.0" encoding="utf-8"?>
 <p:sld xmlns:a="http://schemas.openxmlformats.org/drawingml/2006/main" xmlns:r="http://schemas.openxmlformats.org/officeDocument/2006/relationships" xmlns:p="http://schemas.openxmlformats.org/presentationml/2006/main">
   <p:cSld>
     <p:bg>
@@ -4663,156 +4920,6 @@
     <p:extLst>
       <p:ext uri="{BB962C8B-B14F-4D97-AF65-F5344CB8AC3E}">
         <p14:creationId xmlns:p14="http://schemas.microsoft.com/office/powerpoint/2010/main" val="3263999033"/>
-      </p:ext>
-    </p:extLst>
-  </p:cSld>
-  <p:clrMapOvr>
-    <a:masterClrMapping/>
-  </p:clrMapOvr>
-</p:sld>
-</file>
-
-<file path=ppt/slides/slide9.xml><?xml version="1.0" encoding="utf-8"?>
-<p:sld xmlns:a="http://schemas.openxmlformats.org/drawingml/2006/main" xmlns:r="http://schemas.openxmlformats.org/officeDocument/2006/relationships" xmlns:p="http://schemas.openxmlformats.org/presentationml/2006/main">
-  <p:cSld>
-    <p:spTree>
-      <p:nvGrpSpPr>
-        <p:cNvPr id="1" name=""/>
-        <p:cNvGrpSpPr/>
-        <p:nvPr/>
-      </p:nvGrpSpPr>
-      <p:grpSpPr>
-        <a:xfrm>
-          <a:off x="0" y="0"/>
-          <a:ext cx="0" cy="0"/>
-          <a:chOff x="0" y="0"/>
-          <a:chExt cx="0" cy="0"/>
-        </a:xfrm>
-      </p:grpSpPr>
-      <p:sp>
-        <p:nvSpPr>
-          <p:cNvPr id="2" name="Title 1">
-            <a:extLst>
-              <a:ext uri="{FF2B5EF4-FFF2-40B4-BE49-F238E27FC236}">
-                <a16:creationId xmlns:a16="http://schemas.microsoft.com/office/drawing/2014/main" id="{0FABF62F-21C7-4693-BE99-EFCA3608EE68}"/>
-              </a:ext>
-            </a:extLst>
-          </p:cNvPr>
-          <p:cNvSpPr>
-            <a:spLocks noGrp="1"/>
-          </p:cNvSpPr>
-          <p:nvPr>
-            <p:ph type="title"/>
-          </p:nvPr>
-        </p:nvSpPr>
-        <p:spPr>
-          <a:xfrm>
-            <a:off x="-244702" y="1443835"/>
-            <a:ext cx="8229600" cy="610820"/>
-          </a:xfrm>
-        </p:spPr>
-        <p:txBody>
-          <a:bodyPr>
-            <a:noAutofit/>
-          </a:bodyPr>
-          <a:lstStyle/>
-          <a:p>
-            <a:r>
-              <a:rPr lang="en-CA" sz="4000" dirty="0"/>
-              <a:t>Improvements for the Future:</a:t>
-            </a:r>
-          </a:p>
-        </p:txBody>
-      </p:sp>
-      <p:sp>
-        <p:nvSpPr>
-          <p:cNvPr id="4" name="Content Placeholder 3">
-            <a:extLst>
-              <a:ext uri="{FF2B5EF4-FFF2-40B4-BE49-F238E27FC236}">
-                <a16:creationId xmlns:a16="http://schemas.microsoft.com/office/drawing/2014/main" id="{B01AC675-5EE7-452F-B706-B524A891F67E}"/>
-              </a:ext>
-            </a:extLst>
-          </p:cNvPr>
-          <p:cNvSpPr>
-            <a:spLocks noGrp="1"/>
-          </p:cNvSpPr>
-          <p:nvPr>
-            <p:ph sz="half" idx="2"/>
-          </p:nvPr>
-        </p:nvSpPr>
-        <p:spPr>
-          <a:xfrm>
-            <a:off x="448965" y="2173960"/>
-            <a:ext cx="8246070" cy="3035058"/>
-          </a:xfrm>
-        </p:spPr>
-        <p:txBody>
-          <a:bodyPr/>
-          <a:lstStyle/>
-          <a:p>
-            <a:r>
-              <a:rPr lang="en-CA" dirty="0"/>
-              <a:t>Fix lack of menu availability for smaller restaurants</a:t>
-            </a:r>
-          </a:p>
-          <a:p>
-            <a:r>
-              <a:rPr lang="en-CA" dirty="0"/>
-              <a:t>Website functionality</a:t>
-            </a:r>
-          </a:p>
-          <a:p>
-            <a:r>
-              <a:rPr lang="en-CA" dirty="0"/>
-              <a:t>Integration of the individual parts of the project</a:t>
-            </a:r>
-          </a:p>
-          <a:p>
-            <a:r>
-              <a:rPr lang="en-CA" dirty="0"/>
-              <a:t>Flow of data from user to backend and vice versa</a:t>
-            </a:r>
-          </a:p>
-          <a:p>
-            <a:r>
-              <a:rPr lang="en-CA" dirty="0"/>
-              <a:t>Speed improvements using DS &amp; A, make project scalable</a:t>
-            </a:r>
-          </a:p>
-        </p:txBody>
-      </p:sp>
-      <p:sp>
-        <p:nvSpPr>
-          <p:cNvPr id="6" name="Content Placeholder 5">
-            <a:extLst>
-              <a:ext uri="{FF2B5EF4-FFF2-40B4-BE49-F238E27FC236}">
-                <a16:creationId xmlns:a16="http://schemas.microsoft.com/office/drawing/2014/main" id="{53EA3758-BF12-4996-BE0E-436F8D494B48}"/>
-              </a:ext>
-            </a:extLst>
-          </p:cNvPr>
-          <p:cNvSpPr>
-            <a:spLocks noGrp="1"/>
-          </p:cNvSpPr>
-          <p:nvPr>
-            <p:ph sz="quarter" idx="4"/>
-          </p:nvPr>
-        </p:nvSpPr>
-        <p:spPr/>
-        <p:txBody>
-          <a:bodyPr/>
-          <a:lstStyle/>
-          <a:p>
-            <a:endParaRPr lang="en-CA" dirty="0"/>
-          </a:p>
-          <a:p>
-            <a:endParaRPr lang="en-CA" dirty="0"/>
-          </a:p>
-        </p:txBody>
-      </p:sp>
-    </p:spTree>
-    <p:extLst>
-      <p:ext uri="{BB962C8B-B14F-4D97-AF65-F5344CB8AC3E}">
-        <p14:creationId xmlns:p14="http://schemas.microsoft.com/office/powerpoint/2010/main" val="3231619429"/>
       </p:ext>
     </p:extLst>
   </p:cSld>
